--- a/docs/use-cases.pptx
+++ b/docs/use-cases.pptx
@@ -108,6 +108,11 @@
       </a:defRPr>
     </a:lvl9pPr>
   </p:defaultTextStyle>
+  <p:extLst>
+    <p:ext uri="{EFAFB233-063F-42B5-8137-9DF3F51BA10A}">
+      <p15:sldGuideLst xmlns:p15="http://schemas.microsoft.com/office/powerpoint/2012/main"/>
+    </p:ext>
+  </p:extLst>
 </p:presentation>
 </file>
 
@@ -260,7 +265,7 @@
           <a:p>
             <a:fld id="{C147FFC5-534A-46A6-8186-0E56D5C3C443}" type="datetimeFigureOut">
               <a:rPr lang="he-IL" smtClean="0"/>
-              <a:t>ח'/טבת/תשע"ט</a:t>
+              <a:t>י'/טבת/תשע"ט</a:t>
             </a:fld>
             <a:endParaRPr lang="he-IL"/>
           </a:p>
@@ -460,7 +465,7 @@
           <a:p>
             <a:fld id="{C147FFC5-534A-46A6-8186-0E56D5C3C443}" type="datetimeFigureOut">
               <a:rPr lang="he-IL" smtClean="0"/>
-              <a:t>ח'/טבת/תשע"ט</a:t>
+              <a:t>י'/טבת/תשע"ט</a:t>
             </a:fld>
             <a:endParaRPr lang="he-IL"/>
           </a:p>
@@ -670,7 +675,7 @@
           <a:p>
             <a:fld id="{C147FFC5-534A-46A6-8186-0E56D5C3C443}" type="datetimeFigureOut">
               <a:rPr lang="he-IL" smtClean="0"/>
-              <a:t>ח'/טבת/תשע"ט</a:t>
+              <a:t>י'/טבת/תשע"ט</a:t>
             </a:fld>
             <a:endParaRPr lang="he-IL"/>
           </a:p>
@@ -870,7 +875,7 @@
           <a:p>
             <a:fld id="{C147FFC5-534A-46A6-8186-0E56D5C3C443}" type="datetimeFigureOut">
               <a:rPr lang="he-IL" smtClean="0"/>
-              <a:t>ח'/טבת/תשע"ט</a:t>
+              <a:t>י'/טבת/תשע"ט</a:t>
             </a:fld>
             <a:endParaRPr lang="he-IL"/>
           </a:p>
@@ -1146,7 +1151,7 @@
           <a:p>
             <a:fld id="{C147FFC5-534A-46A6-8186-0E56D5C3C443}" type="datetimeFigureOut">
               <a:rPr lang="he-IL" smtClean="0"/>
-              <a:t>ח'/טבת/תשע"ט</a:t>
+              <a:t>י'/טבת/תשע"ט</a:t>
             </a:fld>
             <a:endParaRPr lang="he-IL"/>
           </a:p>
@@ -1414,7 +1419,7 @@
           <a:p>
             <a:fld id="{C147FFC5-534A-46A6-8186-0E56D5C3C443}" type="datetimeFigureOut">
               <a:rPr lang="he-IL" smtClean="0"/>
-              <a:t>ח'/טבת/תשע"ט</a:t>
+              <a:t>י'/טבת/תשע"ט</a:t>
             </a:fld>
             <a:endParaRPr lang="he-IL"/>
           </a:p>
@@ -1829,7 +1834,7 @@
           <a:p>
             <a:fld id="{C147FFC5-534A-46A6-8186-0E56D5C3C443}" type="datetimeFigureOut">
               <a:rPr lang="he-IL" smtClean="0"/>
-              <a:t>ח'/טבת/תשע"ט</a:t>
+              <a:t>י'/טבת/תשע"ט</a:t>
             </a:fld>
             <a:endParaRPr lang="he-IL"/>
           </a:p>
@@ -1971,7 +1976,7 @@
           <a:p>
             <a:fld id="{C147FFC5-534A-46A6-8186-0E56D5C3C443}" type="datetimeFigureOut">
               <a:rPr lang="he-IL" smtClean="0"/>
-              <a:t>ח'/טבת/תשע"ט</a:t>
+              <a:t>י'/טבת/תשע"ט</a:t>
             </a:fld>
             <a:endParaRPr lang="he-IL"/>
           </a:p>
@@ -2084,7 +2089,7 @@
           <a:p>
             <a:fld id="{C147FFC5-534A-46A6-8186-0E56D5C3C443}" type="datetimeFigureOut">
               <a:rPr lang="he-IL" smtClean="0"/>
-              <a:t>ח'/טבת/תשע"ט</a:t>
+              <a:t>י'/טבת/תשע"ט</a:t>
             </a:fld>
             <a:endParaRPr lang="he-IL"/>
           </a:p>
@@ -2397,7 +2402,7 @@
           <a:p>
             <a:fld id="{C147FFC5-534A-46A6-8186-0E56D5C3C443}" type="datetimeFigureOut">
               <a:rPr lang="he-IL" smtClean="0"/>
-              <a:t>ח'/טבת/תשע"ט</a:t>
+              <a:t>י'/טבת/תשע"ט</a:t>
             </a:fld>
             <a:endParaRPr lang="he-IL"/>
           </a:p>
@@ -2686,7 +2691,7 @@
           <a:p>
             <a:fld id="{C147FFC5-534A-46A6-8186-0E56D5C3C443}" type="datetimeFigureOut">
               <a:rPr lang="he-IL" smtClean="0"/>
-              <a:t>ח'/טבת/תשע"ט</a:t>
+              <a:t>י'/טבת/תשע"ט</a:t>
             </a:fld>
             <a:endParaRPr lang="he-IL"/>
           </a:p>
@@ -2929,7 +2934,7 @@
           <a:p>
             <a:fld id="{C147FFC5-534A-46A6-8186-0E56D5C3C443}" type="datetimeFigureOut">
               <a:rPr lang="he-IL" smtClean="0"/>
-              <a:t>ח'/טבת/תשע"ט</a:t>
+              <a:t>י'/טבת/תשע"ט</a:t>
             </a:fld>
             <a:endParaRPr lang="he-IL"/>
           </a:p>
@@ -11436,7 +11441,7 @@
         </p:nvGrpSpPr>
         <p:grpSpPr>
           <a:xfrm>
-            <a:off x="-81149" y="2658099"/>
+            <a:off x="106138" y="3498788"/>
             <a:ext cx="1064089" cy="1283732"/>
             <a:chOff x="2479232" y="2495320"/>
             <a:chExt cx="1064089" cy="1283732"/>
@@ -11532,7 +11537,7 @@
         </p:nvGrpSpPr>
         <p:grpSpPr>
           <a:xfrm>
-            <a:off x="10809878" y="2626975"/>
+            <a:off x="10997165" y="3467664"/>
             <a:ext cx="914400" cy="1228257"/>
             <a:chOff x="3605928" y="4236252"/>
             <a:chExt cx="914400" cy="1228257"/>
@@ -11628,7 +11633,7 @@
         </p:nvGrpSpPr>
         <p:grpSpPr>
           <a:xfrm>
-            <a:off x="5312475" y="2683667"/>
+            <a:off x="5270081" y="1857422"/>
             <a:ext cx="1364452" cy="1117780"/>
             <a:chOff x="5562448" y="4236252"/>
             <a:chExt cx="1364452" cy="1117780"/>
@@ -11724,7 +11729,7 @@
         </p:nvGrpSpPr>
         <p:grpSpPr>
           <a:xfrm>
-            <a:off x="3944293" y="2683667"/>
+            <a:off x="5292670" y="3450265"/>
             <a:ext cx="1290865" cy="1132592"/>
             <a:chOff x="8660657" y="5150652"/>
             <a:chExt cx="1290865" cy="1132592"/>
@@ -11820,7 +11825,7 @@
         </p:nvGrpSpPr>
         <p:grpSpPr>
           <a:xfrm>
-            <a:off x="1064570" y="2718672"/>
+            <a:off x="1251857" y="3559361"/>
             <a:ext cx="1300480" cy="1223159"/>
             <a:chOff x="5167185" y="344384"/>
             <a:chExt cx="1300480" cy="1223159"/>
@@ -11916,7 +11921,7 @@
         </p:nvGrpSpPr>
         <p:grpSpPr>
           <a:xfrm>
-            <a:off x="2140015" y="1339604"/>
+            <a:off x="2327302" y="2180293"/>
             <a:ext cx="1856387" cy="954546"/>
             <a:chOff x="4989241" y="2825413"/>
             <a:chExt cx="2203732" cy="899160"/>
@@ -12060,7 +12065,7 @@
         </p:nvCxnSpPr>
         <p:spPr>
           <a:xfrm flipV="1">
-            <a:off x="1684859" y="1816877"/>
+            <a:off x="1872146" y="2657566"/>
             <a:ext cx="518929" cy="901795"/>
           </a:xfrm>
           <a:prstGeom prst="straightConnector1">
@@ -12096,15 +12101,14 @@
           </p:cNvPr>
           <p:cNvCxnSpPr>
             <a:cxnSpLocks/>
-            <a:stCxn id="41" idx="6"/>
-            <a:endCxn id="17" idx="0"/>
+            <a:endCxn id="17" idx="1"/>
           </p:cNvCxnSpPr>
           <p:nvPr/>
         </p:nvCxnSpPr>
         <p:spPr>
           <a:xfrm>
-            <a:off x="3932628" y="1816877"/>
-            <a:ext cx="653345" cy="866790"/>
+            <a:off x="4098889" y="2686414"/>
+            <a:ext cx="1378261" cy="1221051"/>
           </a:xfrm>
           <a:prstGeom prst="straightConnector1">
             <a:avLst/>
@@ -12142,7 +12146,7 @@
         </p:nvGrpSpPr>
         <p:grpSpPr>
           <a:xfrm>
-            <a:off x="8086696" y="1664850"/>
+            <a:off x="8273983" y="2505539"/>
             <a:ext cx="1768443" cy="1114435"/>
             <a:chOff x="5051807" y="2825413"/>
             <a:chExt cx="2065460" cy="899160"/>
@@ -12279,15 +12283,15 @@
           </p:cNvPr>
           <p:cNvCxnSpPr>
             <a:cxnSpLocks/>
-            <a:stCxn id="14" idx="3"/>
+            <a:stCxn id="17" idx="3"/>
             <a:endCxn id="64" idx="1"/>
           </p:cNvCxnSpPr>
           <p:nvPr/>
         </p:nvCxnSpPr>
         <p:spPr>
           <a:xfrm flipV="1">
-            <a:off x="6438979" y="2294151"/>
-            <a:ext cx="1647717" cy="846716"/>
+            <a:off x="6391550" y="3134840"/>
+            <a:ext cx="1882433" cy="772625"/>
           </a:xfrm>
           <a:prstGeom prst="straightConnector1">
             <a:avLst/>
@@ -12328,7 +12332,7 @@
         </p:nvCxnSpPr>
         <p:spPr>
           <a:xfrm>
-            <a:off x="9868585" y="2269201"/>
+            <a:off x="10055872" y="3109890"/>
             <a:ext cx="1398493" cy="357774"/>
           </a:xfrm>
           <a:prstGeom prst="straightConnector1">
@@ -12367,7 +12371,7 @@
         </p:nvGrpSpPr>
         <p:grpSpPr>
           <a:xfrm>
-            <a:off x="8086696" y="3765430"/>
+            <a:off x="8273983" y="4606119"/>
             <a:ext cx="1768443" cy="1114435"/>
             <a:chOff x="5051807" y="2825413"/>
             <a:chExt cx="2065460" cy="899160"/>
@@ -12511,7 +12515,7 @@
         </p:nvCxnSpPr>
         <p:spPr>
           <a:xfrm flipH="1">
-            <a:off x="9855139" y="3855232"/>
+            <a:off x="10042426" y="4695921"/>
             <a:ext cx="1400476" cy="458702"/>
           </a:xfrm>
           <a:prstGeom prst="straightConnector1">
@@ -12548,14 +12552,14 @@
           <p:cNvCxnSpPr>
             <a:cxnSpLocks/>
             <a:stCxn id="75" idx="1"/>
-            <a:endCxn id="14" idx="3"/>
+            <a:endCxn id="18" idx="3"/>
           </p:cNvCxnSpPr>
           <p:nvPr/>
         </p:nvCxnSpPr>
         <p:spPr>
           <a:xfrm flipH="1" flipV="1">
-            <a:off x="6438979" y="3140867"/>
-            <a:ext cx="1647717" cy="1173067"/>
+            <a:off x="6583535" y="4398191"/>
+            <a:ext cx="1690448" cy="756432"/>
           </a:xfrm>
           <a:prstGeom prst="straightConnector1">
             <a:avLst/>
@@ -12593,7 +12597,7 @@
         </p:nvCxnSpPr>
         <p:spPr>
           <a:xfrm>
-            <a:off x="772160" y="3175872"/>
+            <a:off x="959447" y="4016561"/>
             <a:ext cx="599440" cy="0"/>
           </a:xfrm>
           <a:prstGeom prst="straightConnector1">
@@ -12618,48 +12622,6 @@
           </a:fontRef>
         </p:style>
       </p:cxnSp>
-      <p:cxnSp>
-        <p:nvCxnSpPr>
-          <p:cNvPr id="102" name="Straight Arrow Connector 101">
-            <a:extLst>
-              <a:ext uri="{FF2B5EF4-FFF2-40B4-BE49-F238E27FC236}">
-                <a16:creationId xmlns:a16="http://schemas.microsoft.com/office/drawing/2014/main" id="{384BE91F-6369-4812-ACB6-37269BCD6AC9}"/>
-              </a:ext>
-            </a:extLst>
-          </p:cNvPr>
-          <p:cNvCxnSpPr>
-            <a:cxnSpLocks/>
-          </p:cNvCxnSpPr>
-          <p:nvPr/>
-        </p:nvCxnSpPr>
-        <p:spPr>
-          <a:xfrm>
-            <a:off x="4994455" y="3140867"/>
-            <a:ext cx="481406" cy="0"/>
-          </a:xfrm>
-          <a:prstGeom prst="straightConnector1">
-            <a:avLst/>
-          </a:prstGeom>
-          <a:ln>
-            <a:headEnd type="triangle"/>
-            <a:tailEnd type="triangle"/>
-          </a:ln>
-        </p:spPr>
-        <p:style>
-          <a:lnRef idx="1">
-            <a:schemeClr val="accent1"/>
-          </a:lnRef>
-          <a:fillRef idx="0">
-            <a:schemeClr val="accent1"/>
-          </a:fillRef>
-          <a:effectRef idx="0">
-            <a:schemeClr val="accent1"/>
-          </a:effectRef>
-          <a:fontRef idx="minor">
-            <a:schemeClr val="tx1"/>
-          </a:fontRef>
-        </p:style>
-      </p:cxnSp>
       <p:grpSp>
         <p:nvGrpSpPr>
           <p:cNvPr id="110" name="Group 109">
@@ -12674,7 +12636,7 @@
         </p:nvGrpSpPr>
         <p:grpSpPr>
           <a:xfrm>
-            <a:off x="2336861" y="4174334"/>
+            <a:off x="2524148" y="5015023"/>
             <a:ext cx="1594779" cy="954546"/>
             <a:chOff x="5064946" y="2825413"/>
             <a:chExt cx="2084153" cy="899160"/>
@@ -12797,15 +12759,16 @@
             </a:extLst>
           </p:cNvPr>
           <p:cNvCxnSpPr>
-            <a:stCxn id="18" idx="2"/>
+            <a:cxnSpLocks/>
+            <a:stCxn id="18" idx="1"/>
             <a:endCxn id="112" idx="3"/>
           </p:cNvCxnSpPr>
           <p:nvPr/>
         </p:nvCxnSpPr>
         <p:spPr>
           <a:xfrm flipH="1">
-            <a:off x="3931640" y="3816259"/>
-            <a:ext cx="658086" cy="813256"/>
+            <a:off x="4118927" y="4398191"/>
+            <a:ext cx="1173743" cy="1072013"/>
           </a:xfrm>
           <a:prstGeom prst="straightConnector1">
             <a:avLst/>
@@ -12846,7 +12809,7 @@
         </p:nvCxnSpPr>
         <p:spPr>
           <a:xfrm flipH="1" flipV="1">
-            <a:off x="1714810" y="3941831"/>
+            <a:off x="1902097" y="4782520"/>
             <a:ext cx="636355" cy="687684"/>
           </a:xfrm>
           <a:prstGeom prst="straightConnector1">
@@ -12885,7 +12848,7 @@
         </p:nvGrpSpPr>
         <p:grpSpPr>
           <a:xfrm>
-            <a:off x="5520106" y="80399"/>
+            <a:off x="7370833" y="493356"/>
             <a:ext cx="914400" cy="1210021"/>
             <a:chOff x="7498080" y="4201289"/>
             <a:chExt cx="914400" cy="1210021"/>
@@ -12981,7 +12944,7 @@
         </p:nvGrpSpPr>
         <p:grpSpPr>
           <a:xfrm>
-            <a:off x="4967258" y="1388879"/>
+            <a:off x="5212110" y="723079"/>
             <a:ext cx="1580475" cy="782300"/>
             <a:chOff x="5058374" y="2825413"/>
             <a:chExt cx="2065459" cy="899160"/>
@@ -13047,7 +13010,7 @@
           <p:spPr>
             <a:xfrm>
               <a:off x="5058374" y="2957125"/>
-              <a:ext cx="2065459" cy="672129"/>
+              <a:ext cx="2065459" cy="672128"/>
             </a:xfrm>
             <a:prstGeom prst="rect">
               <a:avLst/>
@@ -13075,7 +13038,36 @@
                     </a:outerShdw>
                   </a:effectLst>
                 </a:rPr>
-                <a:t>Save relevant data</a:t>
+                <a:t>Save / </a:t>
+              </a:r>
+              <a:r>
+                <a:rPr lang="en-GB" sz="1600" dirty="0">
+                  <a:ln w="0"/>
+                  <a:effectLst>
+                    <a:outerShdw blurRad="38100" dist="19050" dir="2700000" algn="tl" rotWithShape="0">
+                      <a:schemeClr val="dk1">
+                        <a:alpha val="40000"/>
+                      </a:schemeClr>
+                    </a:outerShdw>
+                  </a:effectLst>
+                </a:rPr>
+                <a:t>Extract </a:t>
+              </a:r>
+              <a:r>
+                <a:rPr lang="en-GB" sz="1600" b="0" cap="none" spc="0" dirty="0">
+                  <a:ln w="0"/>
+                  <a:solidFill>
+                    <a:schemeClr val="tx1"/>
+                  </a:solidFill>
+                  <a:effectLst>
+                    <a:outerShdw blurRad="38100" dist="19050" dir="2700000" algn="tl" rotWithShape="0">
+                      <a:schemeClr val="dk1">
+                        <a:alpha val="40000"/>
+                      </a:schemeClr>
+                    </a:outerShdw>
+                  </a:effectLst>
+                </a:rPr>
+                <a:t>relevant data</a:t>
               </a:r>
               <a:endParaRPr lang="en-US" sz="1600" b="0" cap="none" spc="0" dirty="0">
                 <a:ln w="0"/>
@@ -13096,10 +13088,10 @@
       </p:grpSp>
       <p:cxnSp>
         <p:nvCxnSpPr>
-          <p:cNvPr id="124" name="Straight Arrow Connector 123">
-            <a:extLst>
-              <a:ext uri="{FF2B5EF4-FFF2-40B4-BE49-F238E27FC236}">
-                <a16:creationId xmlns:a16="http://schemas.microsoft.com/office/drawing/2014/main" id="{8BC0EFE9-BD0B-4F51-89F9-F54DCF5E096F}"/>
+          <p:cNvPr id="22" name="Straight Arrow Connector 21">
+            <a:extLst>
+              <a:ext uri="{FF2B5EF4-FFF2-40B4-BE49-F238E27FC236}">
+                <a16:creationId xmlns:a16="http://schemas.microsoft.com/office/drawing/2014/main" id="{F754FF14-A966-4600-9A55-349C3ED9D60F}"/>
               </a:ext>
             </a:extLst>
           </p:cNvPr>
@@ -13111,8 +13103,8 @@
         </p:nvCxnSpPr>
         <p:spPr>
           <a:xfrm flipV="1">
-            <a:off x="4886960" y="2171179"/>
-            <a:ext cx="870536" cy="693942"/>
+            <a:off x="5989426" y="1505379"/>
+            <a:ext cx="12923" cy="535279"/>
           </a:xfrm>
           <a:prstGeom prst="straightConnector1">
             <a:avLst/>
@@ -13138,28 +13130,72 @@
       </p:cxnSp>
       <p:cxnSp>
         <p:nvCxnSpPr>
-          <p:cNvPr id="126" name="Straight Arrow Connector 125">
-            <a:extLst>
-              <a:ext uri="{FF2B5EF4-FFF2-40B4-BE49-F238E27FC236}">
-                <a16:creationId xmlns:a16="http://schemas.microsoft.com/office/drawing/2014/main" id="{5C700672-6DEB-4755-BA7E-0130D149D07B}"/>
+          <p:cNvPr id="24" name="Straight Arrow Connector 23">
+            <a:extLst>
+              <a:ext uri="{FF2B5EF4-FFF2-40B4-BE49-F238E27FC236}">
+                <a16:creationId xmlns:a16="http://schemas.microsoft.com/office/drawing/2014/main" id="{F0A177F2-113C-42BB-83C9-120F82880D1F}"/>
               </a:ext>
             </a:extLst>
           </p:cNvPr>
           <p:cNvCxnSpPr>
             <a:cxnSpLocks/>
-            <a:stCxn id="121" idx="0"/>
+            <a:stCxn id="122" idx="3"/>
           </p:cNvCxnSpPr>
           <p:nvPr/>
         </p:nvCxnSpPr>
         <p:spPr>
           <a:xfrm flipV="1">
-            <a:off x="5757496" y="921089"/>
-            <a:ext cx="19330" cy="467790"/>
+            <a:off x="6792585" y="1114230"/>
+            <a:ext cx="636174" cy="15830"/>
           </a:xfrm>
           <a:prstGeom prst="straightConnector1">
             <a:avLst/>
           </a:prstGeom>
           <a:ln>
+            <a:tailEnd type="triangle"/>
+          </a:ln>
+        </p:spPr>
+        <p:style>
+          <a:lnRef idx="1">
+            <a:schemeClr val="accent1"/>
+          </a:lnRef>
+          <a:fillRef idx="0">
+            <a:schemeClr val="accent1"/>
+          </a:fillRef>
+          <a:effectRef idx="0">
+            <a:schemeClr val="accent1"/>
+          </a:effectRef>
+          <a:fontRef idx="minor">
+            <a:schemeClr val="tx1"/>
+          </a:fontRef>
+        </p:style>
+      </p:cxnSp>
+      <p:cxnSp>
+        <p:nvCxnSpPr>
+          <p:cNvPr id="32" name="Straight Arrow Connector 31">
+            <a:extLst>
+              <a:ext uri="{FF2B5EF4-FFF2-40B4-BE49-F238E27FC236}">
+                <a16:creationId xmlns:a16="http://schemas.microsoft.com/office/drawing/2014/main" id="{1E5D28D4-1A45-40CB-A648-49A367E985DE}"/>
+              </a:ext>
+            </a:extLst>
+          </p:cNvPr>
+          <p:cNvCxnSpPr>
+            <a:cxnSpLocks/>
+            <a:stCxn id="17" idx="0"/>
+            <a:endCxn id="15" idx="2"/>
+          </p:cNvCxnSpPr>
+          <p:nvPr/>
+        </p:nvCxnSpPr>
+        <p:spPr>
+          <a:xfrm flipV="1">
+            <a:off x="5934350" y="2975202"/>
+            <a:ext cx="17957" cy="475063"/>
+          </a:xfrm>
+          <a:prstGeom prst="straightConnector1">
+            <a:avLst/>
+          </a:prstGeom>
+          <a:ln>
+            <a:headEnd type="triangle"/>
             <a:tailEnd type="triangle"/>
           </a:ln>
         </p:spPr>
